--- a/salesman.pptx
+++ b/salesman.pptx
@@ -116,6 +116,43 @@
 </p:presentation>
 </file>
 
+<file path=ppt/changesInfos/changesInfo1.xml><?xml version="1.0" encoding="utf-8"?>
+<pc:chgInfo xmlns:a="http://schemas.openxmlformats.org/drawingml/2006/main" xmlns:r="http://schemas.openxmlformats.org/officeDocument/2006/relationships" xmlns:ac="http://schemas.microsoft.com/office/drawing/2013/main/command" xmlns:pc="http://schemas.microsoft.com/office/powerpoint/2013/main/command">
+  <pc:docChgLst>
+    <pc:chgData name="Konstantin Schraubek" userId="7735b78ea0cac4da" providerId="LiveId" clId="{C01E585C-329A-431D-9FC3-175E40E0255D}"/>
+    <pc:docChg chg="modSld">
+      <pc:chgData name="Konstantin Schraubek" userId="7735b78ea0cac4da" providerId="LiveId" clId="{C01E585C-329A-431D-9FC3-175E40E0255D}" dt="2020-02-24T07:45:31.669" v="107" actId="20577"/>
+      <pc:docMkLst>
+        <pc:docMk/>
+      </pc:docMkLst>
+      <pc:sldChg chg="modSp mod">
+        <pc:chgData name="Konstantin Schraubek" userId="7735b78ea0cac4da" providerId="LiveId" clId="{C01E585C-329A-431D-9FC3-175E40E0255D}" dt="2020-02-24T07:45:31.669" v="107" actId="20577"/>
+        <pc:sldMkLst>
+          <pc:docMk/>
+          <pc:sldMk cId="99218059" sldId="258"/>
+        </pc:sldMkLst>
+        <pc:spChg chg="mod">
+          <ac:chgData name="Konstantin Schraubek" userId="7735b78ea0cac4da" providerId="LiveId" clId="{C01E585C-329A-431D-9FC3-175E40E0255D}" dt="2020-02-24T07:33:23.050" v="0" actId="20577"/>
+          <ac:spMkLst>
+            <pc:docMk/>
+            <pc:sldMk cId="99218059" sldId="258"/>
+            <ac:spMk id="2" creationId="{00000000-0000-0000-0000-000000000000}"/>
+          </ac:spMkLst>
+        </pc:spChg>
+        <pc:spChg chg="mod">
+          <ac:chgData name="Konstantin Schraubek" userId="7735b78ea0cac4da" providerId="LiveId" clId="{C01E585C-329A-431D-9FC3-175E40E0255D}" dt="2020-02-24T07:45:31.669" v="107" actId="20577"/>
+          <ac:spMkLst>
+            <pc:docMk/>
+            <pc:sldMk cId="99218059" sldId="258"/>
+            <ac:spMk id="3" creationId="{00000000-0000-0000-0000-000000000000}"/>
+          </ac:spMkLst>
+        </pc:spChg>
+      </pc:sldChg>
+    </pc:docChg>
+  </pc:docChgLst>
+</pc:chgInfo>
+</file>
+
 <file path=ppt/slideLayouts/slideLayout1.xml><?xml version="1.0" encoding="utf-8"?>
 <p:sldLayout xmlns:a="http://schemas.openxmlformats.org/drawingml/2006/main" xmlns:r="http://schemas.openxmlformats.org/officeDocument/2006/relationships" xmlns:p="http://schemas.openxmlformats.org/presentationml/2006/main" type="title" preserve="1">
   <p:cSld name="Titelfolie">
@@ -158,10 +195,9 @@
           </a:lstStyle>
           <a:p>
             <a:r>
-              <a:rPr lang="de-DE" smtClean="0"/>
+              <a:rPr lang="de-DE"/>
               <a:t>Mastertitelformat bearbeiten</a:t>
             </a:r>
-            <a:endParaRPr lang="de-DE"/>
           </a:p>
         </p:txBody>
       </p:sp>
@@ -223,10 +259,9 @@
           </a:lstStyle>
           <a:p>
             <a:r>
-              <a:rPr lang="de-DE" smtClean="0"/>
+              <a:rPr lang="de-DE"/>
               <a:t>Master-Untertitelformat bearbeiten</a:t>
             </a:r>
-            <a:endParaRPr lang="de-DE"/>
           </a:p>
         </p:txBody>
       </p:sp>
@@ -247,7 +282,7 @@
           <a:p>
             <a:fld id="{7091F38C-66C6-3240-A0A2-2226BE306249}" type="datetimeFigureOut">
               <a:rPr lang="de-DE" smtClean="0"/>
-              <a:t>22.02.20</a:t>
+              <a:t>24.02.2020</a:t>
             </a:fld>
             <a:endParaRPr lang="de-DE"/>
           </a:p>
@@ -341,10 +376,9 @@
           <a:lstStyle/>
           <a:p>
             <a:r>
-              <a:rPr lang="de-DE" smtClean="0"/>
+              <a:rPr lang="de-DE"/>
               <a:t>Mastertitelformat bearbeiten</a:t>
             </a:r>
-            <a:endParaRPr lang="de-DE"/>
           </a:p>
         </p:txBody>
       </p:sp>
@@ -365,38 +399,37 @@
           <a:p>
             <a:pPr lvl="0"/>
             <a:r>
-              <a:rPr lang="de-DE" smtClean="0"/>
+              <a:rPr lang="de-DE"/>
               <a:t>Mastertextformat bearbeiten</a:t>
             </a:r>
           </a:p>
           <a:p>
             <a:pPr lvl="1"/>
             <a:r>
-              <a:rPr lang="de-DE" smtClean="0"/>
+              <a:rPr lang="de-DE"/>
               <a:t>Zweite Ebene</a:t>
             </a:r>
           </a:p>
           <a:p>
             <a:pPr lvl="2"/>
             <a:r>
-              <a:rPr lang="de-DE" smtClean="0"/>
+              <a:rPr lang="de-DE"/>
               <a:t>Dritte Ebene</a:t>
             </a:r>
           </a:p>
           <a:p>
             <a:pPr lvl="3"/>
             <a:r>
-              <a:rPr lang="de-DE" smtClean="0"/>
+              <a:rPr lang="de-DE"/>
               <a:t>Vierte Ebene</a:t>
             </a:r>
           </a:p>
           <a:p>
             <a:pPr lvl="4"/>
             <a:r>
-              <a:rPr lang="de-DE" smtClean="0"/>
+              <a:rPr lang="de-DE"/>
               <a:t>Fünfte Ebene</a:t>
             </a:r>
-            <a:endParaRPr lang="de-DE"/>
           </a:p>
         </p:txBody>
       </p:sp>
@@ -417,7 +450,7 @@
           <a:p>
             <a:fld id="{7091F38C-66C6-3240-A0A2-2226BE306249}" type="datetimeFigureOut">
               <a:rPr lang="de-DE" smtClean="0"/>
-              <a:t>22.02.20</a:t>
+              <a:t>24.02.2020</a:t>
             </a:fld>
             <a:endParaRPr lang="de-DE"/>
           </a:p>
@@ -516,10 +549,9 @@
           <a:lstStyle/>
           <a:p>
             <a:r>
-              <a:rPr lang="de-DE" smtClean="0"/>
+              <a:rPr lang="de-DE"/>
               <a:t>Mastertitelformat bearbeiten</a:t>
             </a:r>
-            <a:endParaRPr lang="de-DE"/>
           </a:p>
         </p:txBody>
       </p:sp>
@@ -545,38 +577,37 @@
           <a:p>
             <a:pPr lvl="0"/>
             <a:r>
-              <a:rPr lang="de-DE" smtClean="0"/>
+              <a:rPr lang="de-DE"/>
               <a:t>Mastertextformat bearbeiten</a:t>
             </a:r>
           </a:p>
           <a:p>
             <a:pPr lvl="1"/>
             <a:r>
-              <a:rPr lang="de-DE" smtClean="0"/>
+              <a:rPr lang="de-DE"/>
               <a:t>Zweite Ebene</a:t>
             </a:r>
           </a:p>
           <a:p>
             <a:pPr lvl="2"/>
             <a:r>
-              <a:rPr lang="de-DE" smtClean="0"/>
+              <a:rPr lang="de-DE"/>
               <a:t>Dritte Ebene</a:t>
             </a:r>
           </a:p>
           <a:p>
             <a:pPr lvl="3"/>
             <a:r>
-              <a:rPr lang="de-DE" smtClean="0"/>
+              <a:rPr lang="de-DE"/>
               <a:t>Vierte Ebene</a:t>
             </a:r>
           </a:p>
           <a:p>
             <a:pPr lvl="4"/>
             <a:r>
-              <a:rPr lang="de-DE" smtClean="0"/>
+              <a:rPr lang="de-DE"/>
               <a:t>Fünfte Ebene</a:t>
             </a:r>
-            <a:endParaRPr lang="de-DE"/>
           </a:p>
         </p:txBody>
       </p:sp>
@@ -597,7 +628,7 @@
           <a:p>
             <a:fld id="{7091F38C-66C6-3240-A0A2-2226BE306249}" type="datetimeFigureOut">
               <a:rPr lang="de-DE" smtClean="0"/>
-              <a:t>22.02.20</a:t>
+              <a:t>24.02.2020</a:t>
             </a:fld>
             <a:endParaRPr lang="de-DE"/>
           </a:p>
@@ -691,10 +722,9 @@
           <a:lstStyle/>
           <a:p>
             <a:r>
-              <a:rPr lang="de-DE" smtClean="0"/>
+              <a:rPr lang="de-DE"/>
               <a:t>Mastertitelformat bearbeiten</a:t>
             </a:r>
-            <a:endParaRPr lang="de-DE"/>
           </a:p>
         </p:txBody>
       </p:sp>
@@ -715,38 +745,37 @@
           <a:p>
             <a:pPr lvl="0"/>
             <a:r>
-              <a:rPr lang="de-DE" smtClean="0"/>
+              <a:rPr lang="de-DE"/>
               <a:t>Mastertextformat bearbeiten</a:t>
             </a:r>
           </a:p>
           <a:p>
             <a:pPr lvl="1"/>
             <a:r>
-              <a:rPr lang="de-DE" smtClean="0"/>
+              <a:rPr lang="de-DE"/>
               <a:t>Zweite Ebene</a:t>
             </a:r>
           </a:p>
           <a:p>
             <a:pPr lvl="2"/>
             <a:r>
-              <a:rPr lang="de-DE" smtClean="0"/>
+              <a:rPr lang="de-DE"/>
               <a:t>Dritte Ebene</a:t>
             </a:r>
           </a:p>
           <a:p>
             <a:pPr lvl="3"/>
             <a:r>
-              <a:rPr lang="de-DE" smtClean="0"/>
+              <a:rPr lang="de-DE"/>
               <a:t>Vierte Ebene</a:t>
             </a:r>
           </a:p>
           <a:p>
             <a:pPr lvl="4"/>
             <a:r>
-              <a:rPr lang="de-DE" smtClean="0"/>
+              <a:rPr lang="de-DE"/>
               <a:t>Fünfte Ebene</a:t>
             </a:r>
-            <a:endParaRPr lang="de-DE"/>
           </a:p>
         </p:txBody>
       </p:sp>
@@ -767,7 +796,7 @@
           <a:p>
             <a:fld id="{7091F38C-66C6-3240-A0A2-2226BE306249}" type="datetimeFigureOut">
               <a:rPr lang="de-DE" smtClean="0"/>
-              <a:t>22.02.20</a:t>
+              <a:t>24.02.2020</a:t>
             </a:fld>
             <a:endParaRPr lang="de-DE"/>
           </a:p>
@@ -870,10 +899,9 @@
           </a:lstStyle>
           <a:p>
             <a:r>
-              <a:rPr lang="de-DE" smtClean="0"/>
+              <a:rPr lang="de-DE"/>
               <a:t>Mastertitelformat bearbeiten</a:t>
             </a:r>
-            <a:endParaRPr lang="de-DE"/>
           </a:p>
         </p:txBody>
       </p:sp>
@@ -990,7 +1018,7 @@
           <a:p>
             <a:pPr lvl="0"/>
             <a:r>
-              <a:rPr lang="de-DE" smtClean="0"/>
+              <a:rPr lang="de-DE"/>
               <a:t>Mastertextformat bearbeiten</a:t>
             </a:r>
           </a:p>
@@ -1013,7 +1041,7 @@
           <a:p>
             <a:fld id="{7091F38C-66C6-3240-A0A2-2226BE306249}" type="datetimeFigureOut">
               <a:rPr lang="de-DE" smtClean="0"/>
-              <a:t>22.02.20</a:t>
+              <a:t>24.02.2020</a:t>
             </a:fld>
             <a:endParaRPr lang="de-DE"/>
           </a:p>
@@ -1107,10 +1135,9 @@
           <a:lstStyle/>
           <a:p>
             <a:r>
-              <a:rPr lang="de-DE" smtClean="0"/>
+              <a:rPr lang="de-DE"/>
               <a:t>Mastertitelformat bearbeiten</a:t>
             </a:r>
-            <a:endParaRPr lang="de-DE"/>
           </a:p>
         </p:txBody>
       </p:sp>
@@ -1136,38 +1163,37 @@
           <a:p>
             <a:pPr lvl="0"/>
             <a:r>
-              <a:rPr lang="de-DE" smtClean="0"/>
+              <a:rPr lang="de-DE"/>
               <a:t>Mastertextformat bearbeiten</a:t>
             </a:r>
           </a:p>
           <a:p>
             <a:pPr lvl="1"/>
             <a:r>
-              <a:rPr lang="de-DE" smtClean="0"/>
+              <a:rPr lang="de-DE"/>
               <a:t>Zweite Ebene</a:t>
             </a:r>
           </a:p>
           <a:p>
             <a:pPr lvl="2"/>
             <a:r>
-              <a:rPr lang="de-DE" smtClean="0"/>
+              <a:rPr lang="de-DE"/>
               <a:t>Dritte Ebene</a:t>
             </a:r>
           </a:p>
           <a:p>
             <a:pPr lvl="3"/>
             <a:r>
-              <a:rPr lang="de-DE" smtClean="0"/>
+              <a:rPr lang="de-DE"/>
               <a:t>Vierte Ebene</a:t>
             </a:r>
           </a:p>
           <a:p>
             <a:pPr lvl="4"/>
             <a:r>
-              <a:rPr lang="de-DE" smtClean="0"/>
+              <a:rPr lang="de-DE"/>
               <a:t>Fünfte Ebene</a:t>
             </a:r>
-            <a:endParaRPr lang="de-DE"/>
           </a:p>
         </p:txBody>
       </p:sp>
@@ -1193,38 +1219,37 @@
           <a:p>
             <a:pPr lvl="0"/>
             <a:r>
-              <a:rPr lang="de-DE" smtClean="0"/>
+              <a:rPr lang="de-DE"/>
               <a:t>Mastertextformat bearbeiten</a:t>
             </a:r>
           </a:p>
           <a:p>
             <a:pPr lvl="1"/>
             <a:r>
-              <a:rPr lang="de-DE" smtClean="0"/>
+              <a:rPr lang="de-DE"/>
               <a:t>Zweite Ebene</a:t>
             </a:r>
           </a:p>
           <a:p>
             <a:pPr lvl="2"/>
             <a:r>
-              <a:rPr lang="de-DE" smtClean="0"/>
+              <a:rPr lang="de-DE"/>
               <a:t>Dritte Ebene</a:t>
             </a:r>
           </a:p>
           <a:p>
             <a:pPr lvl="3"/>
             <a:r>
-              <a:rPr lang="de-DE" smtClean="0"/>
+              <a:rPr lang="de-DE"/>
               <a:t>Vierte Ebene</a:t>
             </a:r>
           </a:p>
           <a:p>
             <a:pPr lvl="4"/>
             <a:r>
-              <a:rPr lang="de-DE" smtClean="0"/>
+              <a:rPr lang="de-DE"/>
               <a:t>Fünfte Ebene</a:t>
             </a:r>
-            <a:endParaRPr lang="de-DE"/>
           </a:p>
         </p:txBody>
       </p:sp>
@@ -1245,7 +1270,7 @@
           <a:p>
             <a:fld id="{7091F38C-66C6-3240-A0A2-2226BE306249}" type="datetimeFigureOut">
               <a:rPr lang="de-DE" smtClean="0"/>
-              <a:t>22.02.20</a:t>
+              <a:t>24.02.2020</a:t>
             </a:fld>
             <a:endParaRPr lang="de-DE"/>
           </a:p>
@@ -1344,10 +1369,9 @@
           <a:lstStyle/>
           <a:p>
             <a:r>
-              <a:rPr lang="de-DE" smtClean="0"/>
+              <a:rPr lang="de-DE"/>
               <a:t>Mastertitelformat bearbeiten</a:t>
             </a:r>
-            <a:endParaRPr lang="de-DE"/>
           </a:p>
         </p:txBody>
       </p:sp>
@@ -1410,7 +1434,7 @@
           <a:p>
             <a:pPr lvl="0"/>
             <a:r>
-              <a:rPr lang="de-DE" smtClean="0"/>
+              <a:rPr lang="de-DE"/>
               <a:t>Mastertextformat bearbeiten</a:t>
             </a:r>
           </a:p>
@@ -1438,38 +1462,37 @@
           <a:p>
             <a:pPr lvl="0"/>
             <a:r>
-              <a:rPr lang="de-DE" smtClean="0"/>
+              <a:rPr lang="de-DE"/>
               <a:t>Mastertextformat bearbeiten</a:t>
             </a:r>
           </a:p>
           <a:p>
             <a:pPr lvl="1"/>
             <a:r>
-              <a:rPr lang="de-DE" smtClean="0"/>
+              <a:rPr lang="de-DE"/>
               <a:t>Zweite Ebene</a:t>
             </a:r>
           </a:p>
           <a:p>
             <a:pPr lvl="2"/>
             <a:r>
-              <a:rPr lang="de-DE" smtClean="0"/>
+              <a:rPr lang="de-DE"/>
               <a:t>Dritte Ebene</a:t>
             </a:r>
           </a:p>
           <a:p>
             <a:pPr lvl="3"/>
             <a:r>
-              <a:rPr lang="de-DE" smtClean="0"/>
+              <a:rPr lang="de-DE"/>
               <a:t>Vierte Ebene</a:t>
             </a:r>
           </a:p>
           <a:p>
             <a:pPr lvl="4"/>
             <a:r>
-              <a:rPr lang="de-DE" smtClean="0"/>
+              <a:rPr lang="de-DE"/>
               <a:t>Fünfte Ebene</a:t>
             </a:r>
-            <a:endParaRPr lang="de-DE"/>
           </a:p>
         </p:txBody>
       </p:sp>
@@ -1532,7 +1555,7 @@
           <a:p>
             <a:pPr lvl="0"/>
             <a:r>
-              <a:rPr lang="de-DE" smtClean="0"/>
+              <a:rPr lang="de-DE"/>
               <a:t>Mastertextformat bearbeiten</a:t>
             </a:r>
           </a:p>
@@ -1560,38 +1583,37 @@
           <a:p>
             <a:pPr lvl="0"/>
             <a:r>
-              <a:rPr lang="de-DE" smtClean="0"/>
+              <a:rPr lang="de-DE"/>
               <a:t>Mastertextformat bearbeiten</a:t>
             </a:r>
           </a:p>
           <a:p>
             <a:pPr lvl="1"/>
             <a:r>
-              <a:rPr lang="de-DE" smtClean="0"/>
+              <a:rPr lang="de-DE"/>
               <a:t>Zweite Ebene</a:t>
             </a:r>
           </a:p>
           <a:p>
             <a:pPr lvl="2"/>
             <a:r>
-              <a:rPr lang="de-DE" smtClean="0"/>
+              <a:rPr lang="de-DE"/>
               <a:t>Dritte Ebene</a:t>
             </a:r>
           </a:p>
           <a:p>
             <a:pPr lvl="3"/>
             <a:r>
-              <a:rPr lang="de-DE" smtClean="0"/>
+              <a:rPr lang="de-DE"/>
               <a:t>Vierte Ebene</a:t>
             </a:r>
           </a:p>
           <a:p>
             <a:pPr lvl="4"/>
             <a:r>
-              <a:rPr lang="de-DE" smtClean="0"/>
+              <a:rPr lang="de-DE"/>
               <a:t>Fünfte Ebene</a:t>
             </a:r>
-            <a:endParaRPr lang="de-DE"/>
           </a:p>
         </p:txBody>
       </p:sp>
@@ -1612,7 +1634,7 @@
           <a:p>
             <a:fld id="{7091F38C-66C6-3240-A0A2-2226BE306249}" type="datetimeFigureOut">
               <a:rPr lang="de-DE" smtClean="0"/>
-              <a:t>22.02.20</a:t>
+              <a:t>24.02.2020</a:t>
             </a:fld>
             <a:endParaRPr lang="de-DE"/>
           </a:p>
@@ -1706,10 +1728,9 @@
           <a:lstStyle/>
           <a:p>
             <a:r>
-              <a:rPr lang="de-DE" smtClean="0"/>
+              <a:rPr lang="de-DE"/>
               <a:t>Mastertitelformat bearbeiten</a:t>
             </a:r>
-            <a:endParaRPr lang="de-DE"/>
           </a:p>
         </p:txBody>
       </p:sp>
@@ -1730,7 +1751,7 @@
           <a:p>
             <a:fld id="{7091F38C-66C6-3240-A0A2-2226BE306249}" type="datetimeFigureOut">
               <a:rPr lang="de-DE" smtClean="0"/>
-              <a:t>22.02.20</a:t>
+              <a:t>24.02.2020</a:t>
             </a:fld>
             <a:endParaRPr lang="de-DE"/>
           </a:p>
@@ -1825,7 +1846,7 @@
           <a:p>
             <a:fld id="{7091F38C-66C6-3240-A0A2-2226BE306249}" type="datetimeFigureOut">
               <a:rPr lang="de-DE" smtClean="0"/>
-              <a:t>22.02.20</a:t>
+              <a:t>24.02.2020</a:t>
             </a:fld>
             <a:endParaRPr lang="de-DE"/>
           </a:p>
@@ -1928,10 +1949,9 @@
           </a:lstStyle>
           <a:p>
             <a:r>
-              <a:rPr lang="de-DE" smtClean="0"/>
+              <a:rPr lang="de-DE"/>
               <a:t>Mastertitelformat bearbeiten</a:t>
             </a:r>
-            <a:endParaRPr lang="de-DE"/>
           </a:p>
         </p:txBody>
       </p:sp>
@@ -1985,38 +2005,37 @@
           <a:p>
             <a:pPr lvl="0"/>
             <a:r>
-              <a:rPr lang="de-DE" smtClean="0"/>
+              <a:rPr lang="de-DE"/>
               <a:t>Mastertextformat bearbeiten</a:t>
             </a:r>
           </a:p>
           <a:p>
             <a:pPr lvl="1"/>
             <a:r>
-              <a:rPr lang="de-DE" smtClean="0"/>
+              <a:rPr lang="de-DE"/>
               <a:t>Zweite Ebene</a:t>
             </a:r>
           </a:p>
           <a:p>
             <a:pPr lvl="2"/>
             <a:r>
-              <a:rPr lang="de-DE" smtClean="0"/>
+              <a:rPr lang="de-DE"/>
               <a:t>Dritte Ebene</a:t>
             </a:r>
           </a:p>
           <a:p>
             <a:pPr lvl="3"/>
             <a:r>
-              <a:rPr lang="de-DE" smtClean="0"/>
+              <a:rPr lang="de-DE"/>
               <a:t>Vierte Ebene</a:t>
             </a:r>
           </a:p>
           <a:p>
             <a:pPr lvl="4"/>
             <a:r>
-              <a:rPr lang="de-DE" smtClean="0"/>
+              <a:rPr lang="de-DE"/>
               <a:t>Fünfte Ebene</a:t>
             </a:r>
-            <a:endParaRPr lang="de-DE"/>
           </a:p>
         </p:txBody>
       </p:sp>
@@ -2079,7 +2098,7 @@
           <a:p>
             <a:pPr lvl="0"/>
             <a:r>
-              <a:rPr lang="de-DE" smtClean="0"/>
+              <a:rPr lang="de-DE"/>
               <a:t>Mastertextformat bearbeiten</a:t>
             </a:r>
           </a:p>
@@ -2102,7 +2121,7 @@
           <a:p>
             <a:fld id="{7091F38C-66C6-3240-A0A2-2226BE306249}" type="datetimeFigureOut">
               <a:rPr lang="de-DE" smtClean="0"/>
-              <a:t>22.02.20</a:t>
+              <a:t>24.02.2020</a:t>
             </a:fld>
             <a:endParaRPr lang="de-DE"/>
           </a:p>
@@ -2205,10 +2224,9 @@
           </a:lstStyle>
           <a:p>
             <a:r>
-              <a:rPr lang="de-DE" smtClean="0"/>
+              <a:rPr lang="de-DE"/>
               <a:t>Mastertitelformat bearbeiten</a:t>
             </a:r>
-            <a:endParaRPr lang="de-DE"/>
           </a:p>
         </p:txBody>
       </p:sp>
@@ -2332,7 +2350,7 @@
           <a:p>
             <a:pPr lvl="0"/>
             <a:r>
-              <a:rPr lang="de-DE" smtClean="0"/>
+              <a:rPr lang="de-DE"/>
               <a:t>Mastertextformat bearbeiten</a:t>
             </a:r>
           </a:p>
@@ -2355,7 +2373,7 @@
           <a:p>
             <a:fld id="{7091F38C-66C6-3240-A0A2-2226BE306249}" type="datetimeFigureOut">
               <a:rPr lang="de-DE" smtClean="0"/>
-              <a:t>22.02.20</a:t>
+              <a:t>24.02.2020</a:t>
             </a:fld>
             <a:endParaRPr lang="de-DE"/>
           </a:p>
@@ -2464,10 +2482,9 @@
           <a:lstStyle/>
           <a:p>
             <a:r>
-              <a:rPr lang="de-DE" smtClean="0"/>
+              <a:rPr lang="de-DE"/>
               <a:t>Mastertitelformat bearbeiten</a:t>
             </a:r>
-            <a:endParaRPr lang="de-DE"/>
           </a:p>
         </p:txBody>
       </p:sp>
@@ -2498,38 +2515,37 @@
           <a:p>
             <a:pPr lvl="0"/>
             <a:r>
-              <a:rPr lang="de-DE" smtClean="0"/>
+              <a:rPr lang="de-DE"/>
               <a:t>Mastertextformat bearbeiten</a:t>
             </a:r>
           </a:p>
           <a:p>
             <a:pPr lvl="1"/>
             <a:r>
-              <a:rPr lang="de-DE" smtClean="0"/>
+              <a:rPr lang="de-DE"/>
               <a:t>Zweite Ebene</a:t>
             </a:r>
           </a:p>
           <a:p>
             <a:pPr lvl="2"/>
             <a:r>
-              <a:rPr lang="de-DE" smtClean="0"/>
+              <a:rPr lang="de-DE"/>
               <a:t>Dritte Ebene</a:t>
             </a:r>
           </a:p>
           <a:p>
             <a:pPr lvl="3"/>
             <a:r>
-              <a:rPr lang="de-DE" smtClean="0"/>
+              <a:rPr lang="de-DE"/>
               <a:t>Vierte Ebene</a:t>
             </a:r>
           </a:p>
           <a:p>
             <a:pPr lvl="4"/>
             <a:r>
-              <a:rPr lang="de-DE" smtClean="0"/>
+              <a:rPr lang="de-DE"/>
               <a:t>Fünfte Ebene</a:t>
             </a:r>
-            <a:endParaRPr lang="de-DE"/>
           </a:p>
         </p:txBody>
       </p:sp>
@@ -2568,7 +2584,7 @@
           <a:p>
             <a:fld id="{7091F38C-66C6-3240-A0A2-2226BE306249}" type="datetimeFigureOut">
               <a:rPr lang="de-DE" smtClean="0"/>
-              <a:t>22.02.20</a:t>
+              <a:t>24.02.2020</a:t>
             </a:fld>
             <a:endParaRPr lang="de-DE"/>
           </a:p>
@@ -2992,13 +3008,8 @@
           <a:p>
             <a:r>
               <a:rPr lang="de-DE" dirty="0"/>
-              <a:t>Problem des </a:t>
-            </a:r>
-            <a:r>
-              <a:rPr lang="de-DE" dirty="0" smtClean="0"/>
-              <a:t>Handlungsreisenden</a:t>
-            </a:r>
-            <a:endParaRPr lang="de-DE" dirty="0"/>
+              <a:t>Problem des Handlungsreisenden</a:t>
+            </a:r>
           </a:p>
         </p:txBody>
       </p:sp>
@@ -3018,26 +3029,25 @@
           <a:lstStyle/>
           <a:p>
             <a:r>
-              <a:rPr lang="de-DE" dirty="0" smtClean="0"/>
+              <a:rPr lang="de-DE" dirty="0"/>
               <a:t>Von Konstantin </a:t>
             </a:r>
             <a:r>
-              <a:rPr lang="de-DE" dirty="0" err="1" smtClean="0"/>
+              <a:rPr lang="de-DE" dirty="0" err="1"/>
               <a:t>Schraubek</a:t>
             </a:r>
             <a:r>
-              <a:rPr lang="de-DE" dirty="0" smtClean="0"/>
+              <a:rPr lang="de-DE" dirty="0"/>
               <a:t>, Martin </a:t>
             </a:r>
             <a:r>
-              <a:rPr lang="de-DE" dirty="0" err="1" smtClean="0"/>
+              <a:rPr lang="de-DE" dirty="0" err="1"/>
               <a:t>Schwarberg</a:t>
             </a:r>
             <a:r>
-              <a:rPr lang="de-DE" dirty="0" smtClean="0"/>
+              <a:rPr lang="de-DE" dirty="0"/>
               <a:t> und Niels Riethmüller</a:t>
             </a:r>
-            <a:endParaRPr lang="de-DE" dirty="0"/>
           </a:p>
         </p:txBody>
       </p:sp>
@@ -3087,10 +3097,9 @@
           <a:lstStyle/>
           <a:p>
             <a:r>
-              <a:rPr lang="de-DE" dirty="0" smtClean="0"/>
+              <a:rPr lang="de-DE" dirty="0"/>
               <a:t>Problem kurz dargestellt</a:t>
             </a:r>
-            <a:endParaRPr lang="de-DE" dirty="0"/>
           </a:p>
         </p:txBody>
       </p:sp>
@@ -3117,19 +3126,19 @@
           <a:lstStyle/>
           <a:p>
             <a:r>
-              <a:rPr lang="de-DE" dirty="0" smtClean="0"/>
+              <a:rPr lang="de-DE" dirty="0"/>
               <a:t>Keine doppelten Besuche</a:t>
             </a:r>
           </a:p>
           <a:p>
             <a:r>
-              <a:rPr lang="de-DE" dirty="0" smtClean="0"/>
+              <a:rPr lang="de-DE" dirty="0"/>
               <a:t>Möglichst Kurz </a:t>
             </a:r>
           </a:p>
           <a:p>
             <a:r>
-              <a:rPr lang="de-DE" dirty="0" smtClean="0"/>
+              <a:rPr lang="de-DE" dirty="0"/>
               <a:t>Erste soll Letzte Station sein</a:t>
             </a:r>
           </a:p>
@@ -3211,10 +3220,9 @@
           <a:lstStyle/>
           <a:p>
             <a:r>
-              <a:rPr lang="de-DE" dirty="0" smtClean="0"/>
+              <a:rPr lang="de-DE" dirty="0"/>
               <a:t>Praxis Beispiel</a:t>
             </a:r>
-            <a:endParaRPr lang="de-DE" dirty="0"/>
           </a:p>
         </p:txBody>
       </p:sp>
@@ -3237,20 +3245,18 @@
               <a:rPr lang="de-DE" dirty="0"/>
               <a:t>Tourenplanung </a:t>
             </a:r>
-            <a:endParaRPr lang="de-DE" dirty="0" smtClean="0"/>
-          </a:p>
-          <a:p>
-            <a:r>
-              <a:rPr lang="de-DE" dirty="0" smtClean="0"/>
+          </a:p>
+          <a:p>
+            <a:r>
+              <a:rPr lang="de-DE" dirty="0"/>
               <a:t>Logistik </a:t>
             </a:r>
           </a:p>
           <a:p>
             <a:r>
-              <a:rPr lang="de-DE" dirty="0" smtClean="0"/>
+              <a:rPr lang="de-DE" dirty="0"/>
               <a:t>Mikrochips</a:t>
             </a:r>
-            <a:endParaRPr lang="de-DE" dirty="0"/>
           </a:p>
         </p:txBody>
       </p:sp>
@@ -3330,8 +3336,8 @@
           <a:lstStyle/>
           <a:p>
             <a:r>
-              <a:rPr lang="de-DE" dirty="0" smtClean="0"/>
-              <a:t>Lösungsansatz</a:t>
+              <a:rPr lang="de-DE" dirty="0" err="1"/>
+              <a:t>Lösungsansatze</a:t>
             </a:r>
             <a:endParaRPr lang="de-DE" dirty="0"/>
           </a:p>
@@ -3353,35 +3359,65 @@
           <a:lstStyle/>
           <a:p>
             <a:r>
-              <a:rPr lang="de-DE" dirty="0" smtClean="0"/>
-              <a:t>Es gibt mehrere (K.S.)</a:t>
-            </a:r>
-          </a:p>
-          <a:p>
-            <a:r>
-              <a:rPr lang="de-DE" dirty="0" err="1" smtClean="0"/>
-              <a:t>neares</a:t>
-            </a:r>
-            <a:r>
-              <a:rPr lang="de-DE" dirty="0" smtClean="0"/>
+              <a:rPr lang="de-DE" dirty="0"/>
+              <a:t>Exakte Lösungsverfahren</a:t>
+            </a:r>
+          </a:p>
+          <a:p>
+            <a:r>
+              <a:rPr lang="de-DE" dirty="0" err="1"/>
+              <a:t>Bruteforce</a:t>
+            </a:r>
+            <a:r>
+              <a:rPr lang="de-DE" dirty="0"/>
               <a:t> </a:t>
             </a:r>
-            <a:r>
-              <a:rPr lang="de-DE" dirty="0" err="1" smtClean="0"/>
-              <a:t>neighbor</a:t>
-            </a:r>
-            <a:endParaRPr lang="de-DE" dirty="0" smtClean="0"/>
-          </a:p>
-          <a:p>
-            <a:r>
-              <a:rPr lang="de-DE" dirty="0" err="1" smtClean="0"/>
-              <a:t>bruteforce</a:t>
-            </a:r>
-            <a:r>
-              <a:rPr lang="de-DE" dirty="0" smtClean="0"/>
+          </a:p>
+          <a:p>
+            <a:endParaRPr lang="de-DE" dirty="0"/>
+          </a:p>
+          <a:p>
+            <a:r>
+              <a:rPr lang="de-DE" dirty="0"/>
+              <a:t>Heuristiken</a:t>
+            </a:r>
+          </a:p>
+          <a:p>
+            <a:r>
+              <a:rPr lang="de-DE" dirty="0" err="1"/>
+              <a:t>Nearest</a:t>
+            </a:r>
+            <a:r>
+              <a:rPr lang="de-DE" dirty="0"/>
               <a:t> </a:t>
             </a:r>
-            <a:endParaRPr lang="de-DE" dirty="0" smtClean="0"/>
+            <a:r>
+              <a:rPr lang="de-DE" dirty="0" err="1"/>
+              <a:t>neighbour</a:t>
+            </a:r>
+            <a:endParaRPr lang="de-DE" dirty="0"/>
+          </a:p>
+          <a:p>
+            <a:r>
+              <a:rPr lang="de-DE" dirty="0"/>
+              <a:t>Minimum </a:t>
+            </a:r>
+            <a:r>
+              <a:rPr lang="de-DE" dirty="0" err="1"/>
+              <a:t>Spanning</a:t>
+            </a:r>
+            <a:r>
+              <a:rPr lang="de-DE" dirty="0"/>
+              <a:t> </a:t>
+            </a:r>
+            <a:r>
+              <a:rPr lang="de-DE"/>
+              <a:t>Tree</a:t>
+            </a:r>
+            <a:endParaRPr lang="de-DE" dirty="0"/>
+          </a:p>
+          <a:p>
+            <a:endParaRPr lang="de-DE" dirty="0"/>
           </a:p>
           <a:p>
             <a:endParaRPr lang="de-DE" dirty="0"/>
@@ -3464,10 +3500,9 @@
           <a:lstStyle/>
           <a:p>
             <a:r>
-              <a:rPr lang="de-DE" dirty="0" smtClean="0"/>
+              <a:rPr lang="de-DE" dirty="0"/>
               <a:t>Umsetzung</a:t>
             </a:r>
-            <a:endParaRPr lang="de-DE" dirty="0"/>
           </a:p>
         </p:txBody>
       </p:sp>
